--- a/Web/Final_Project/Final Project.pptx
+++ b/Web/Final_Project/Final Project.pptx
@@ -7,6 +7,9 @@
   <p:sldIdLst>
     <p:sldId id="256" r:id="rId2"/>
     <p:sldId id="257" r:id="rId3"/>
+    <p:sldId id="258" r:id="rId4"/>
+    <p:sldId id="259" r:id="rId5"/>
+    <p:sldId id="260" r:id="rId6"/>
   </p:sldIdLst>
   <p:sldSz cx="12192000" cy="6858000"/>
   <p:notesSz cx="6858000" cy="9144000"/>
@@ -3775,6 +3778,722 @@
 </p:sld>
 </file>
 
+<file path=ppt/slides/slide3.xml><?xml version="1.0" encoding="utf-8"?>
+<p:sld xmlns:a="http://schemas.openxmlformats.org/drawingml/2006/main" xmlns:r="http://schemas.openxmlformats.org/officeDocument/2006/relationships" xmlns:p="http://schemas.openxmlformats.org/presentationml/2006/main">
+  <p:cSld>
+    <p:spTree>
+      <p:nvGrpSpPr>
+        <p:cNvPr id="1" name=""/>
+        <p:cNvGrpSpPr/>
+        <p:nvPr/>
+      </p:nvGrpSpPr>
+      <p:grpSpPr>
+        <a:xfrm>
+          <a:off x="0" y="0"/>
+          <a:ext cx="0" cy="0"/>
+          <a:chOff x="0" y="0"/>
+          <a:chExt cx="0" cy="0"/>
+        </a:xfrm>
+      </p:grpSpPr>
+      <p:pic>
+        <p:nvPicPr>
+          <p:cNvPr id="4" name="Picture 3">
+            <a:extLst>
+              <a:ext uri="{FF2B5EF4-FFF2-40B4-BE49-F238E27FC236}">
+                <a16:creationId xmlns:a16="http://schemas.microsoft.com/office/drawing/2014/main" id="{44D258EC-D665-1DF1-5416-9BC629016B77}"/>
+              </a:ext>
+            </a:extLst>
+          </p:cNvPr>
+          <p:cNvPicPr>
+            <a:picLocks noChangeAspect="1"/>
+          </p:cNvPicPr>
+          <p:nvPr/>
+        </p:nvPicPr>
+        <p:blipFill>
+          <a:blip r:embed="rId2"/>
+          <a:stretch>
+            <a:fillRect/>
+          </a:stretch>
+        </p:blipFill>
+        <p:spPr>
+          <a:xfrm>
+            <a:off x="289523" y="5739576"/>
+            <a:ext cx="7772400" cy="878980"/>
+          </a:xfrm>
+          <a:prstGeom prst="rect">
+            <a:avLst/>
+          </a:prstGeom>
+        </p:spPr>
+      </p:pic>
+      <p:pic>
+        <p:nvPicPr>
+          <p:cNvPr id="5" name="Picture 4">
+            <a:extLst>
+              <a:ext uri="{FF2B5EF4-FFF2-40B4-BE49-F238E27FC236}">
+                <a16:creationId xmlns:a16="http://schemas.microsoft.com/office/drawing/2014/main" id="{F45EE4D3-65B4-56E1-664E-1953B9A45B81}"/>
+              </a:ext>
+            </a:extLst>
+          </p:cNvPr>
+          <p:cNvPicPr>
+            <a:picLocks noChangeAspect="1"/>
+          </p:cNvPicPr>
+          <p:nvPr/>
+        </p:nvPicPr>
+        <p:blipFill>
+          <a:blip r:embed="rId3"/>
+          <a:stretch>
+            <a:fillRect/>
+          </a:stretch>
+        </p:blipFill>
+        <p:spPr>
+          <a:xfrm>
+            <a:off x="289523" y="239444"/>
+            <a:ext cx="7772400" cy="938303"/>
+          </a:xfrm>
+          <a:prstGeom prst="rect">
+            <a:avLst/>
+          </a:prstGeom>
+        </p:spPr>
+      </p:pic>
+      <p:pic>
+        <p:nvPicPr>
+          <p:cNvPr id="6" name="Picture 5">
+            <a:extLst>
+              <a:ext uri="{FF2B5EF4-FFF2-40B4-BE49-F238E27FC236}">
+                <a16:creationId xmlns:a16="http://schemas.microsoft.com/office/drawing/2014/main" id="{E28D18D8-6981-3B83-5DB9-63464E1E787D}"/>
+              </a:ext>
+            </a:extLst>
+          </p:cNvPr>
+          <p:cNvPicPr>
+            <a:picLocks noChangeAspect="1"/>
+          </p:cNvPicPr>
+          <p:nvPr/>
+        </p:nvPicPr>
+        <p:blipFill>
+          <a:blip r:embed="rId4"/>
+          <a:stretch>
+            <a:fillRect/>
+          </a:stretch>
+        </p:blipFill>
+        <p:spPr>
+          <a:xfrm>
+            <a:off x="289523" y="1357312"/>
+            <a:ext cx="7772400" cy="2530795"/>
+          </a:xfrm>
+          <a:prstGeom prst="rect">
+            <a:avLst/>
+          </a:prstGeom>
+        </p:spPr>
+      </p:pic>
+      <p:sp>
+        <p:nvSpPr>
+          <p:cNvPr id="7" name="Rectangle 6">
+            <a:extLst>
+              <a:ext uri="{FF2B5EF4-FFF2-40B4-BE49-F238E27FC236}">
+                <a16:creationId xmlns:a16="http://schemas.microsoft.com/office/drawing/2014/main" id="{96ECFCDD-5A22-77BF-7057-3055B3BA40BA}"/>
+              </a:ext>
+            </a:extLst>
+          </p:cNvPr>
+          <p:cNvSpPr/>
+          <p:nvPr/>
+        </p:nvSpPr>
+        <p:spPr>
+          <a:xfrm>
+            <a:off x="537915" y="1716541"/>
+            <a:ext cx="2826327" cy="546265"/>
+          </a:xfrm>
+          <a:prstGeom prst="rect">
+            <a:avLst/>
+          </a:prstGeom>
+          <a:noFill/>
+          <a:ln>
+            <a:solidFill>
+              <a:srgbClr val="FF0000"/>
+            </a:solidFill>
+          </a:ln>
+        </p:spPr>
+        <p:style>
+          <a:lnRef idx="2">
+            <a:schemeClr val="accent1">
+              <a:shade val="15000"/>
+            </a:schemeClr>
+          </a:lnRef>
+          <a:fillRef idx="1">
+            <a:schemeClr val="accent1"/>
+          </a:fillRef>
+          <a:effectRef idx="0">
+            <a:schemeClr val="accent1"/>
+          </a:effectRef>
+          <a:fontRef idx="minor">
+            <a:schemeClr val="lt1"/>
+          </a:fontRef>
+        </p:style>
+        <p:txBody>
+          <a:bodyPr rtlCol="0" anchor="ctr"/>
+          <a:lstStyle/>
+          <a:p>
+            <a:pPr algn="ctr"/>
+            <a:endParaRPr lang="en-US"/>
+          </a:p>
+        </p:txBody>
+      </p:sp>
+      <p:pic>
+        <p:nvPicPr>
+          <p:cNvPr id="8" name="Picture 7">
+            <a:extLst>
+              <a:ext uri="{FF2B5EF4-FFF2-40B4-BE49-F238E27FC236}">
+                <a16:creationId xmlns:a16="http://schemas.microsoft.com/office/drawing/2014/main" id="{8C722124-E2E9-663F-E3B1-2B4E557643FF}"/>
+              </a:ext>
+            </a:extLst>
+          </p:cNvPr>
+          <p:cNvPicPr>
+            <a:picLocks noChangeAspect="1"/>
+          </p:cNvPicPr>
+          <p:nvPr/>
+        </p:nvPicPr>
+        <p:blipFill>
+          <a:blip r:embed="rId5"/>
+          <a:stretch>
+            <a:fillRect/>
+          </a:stretch>
+        </p:blipFill>
+        <p:spPr>
+          <a:xfrm>
+            <a:off x="9077325" y="239444"/>
+            <a:ext cx="6667500" cy="1447800"/>
+          </a:xfrm>
+          <a:prstGeom prst="rect">
+            <a:avLst/>
+          </a:prstGeom>
+        </p:spPr>
+      </p:pic>
+      <p:sp>
+        <p:nvSpPr>
+          <p:cNvPr id="10" name="TextBox 9">
+            <a:extLst>
+              <a:ext uri="{FF2B5EF4-FFF2-40B4-BE49-F238E27FC236}">
+                <a16:creationId xmlns:a16="http://schemas.microsoft.com/office/drawing/2014/main" id="{AD676F80-BAE4-30ED-571E-3CD890F09495}"/>
+              </a:ext>
+            </a:extLst>
+          </p:cNvPr>
+          <p:cNvSpPr txBox="1"/>
+          <p:nvPr/>
+        </p:nvSpPr>
+        <p:spPr>
+          <a:xfrm>
+            <a:off x="8084251" y="1357312"/>
+            <a:ext cx="7872412" cy="2585323"/>
+          </a:xfrm>
+          <a:prstGeom prst="rect">
+            <a:avLst/>
+          </a:prstGeom>
+          <a:noFill/>
+        </p:spPr>
+        <p:txBody>
+          <a:bodyPr wrap="square">
+            <a:spAutoFit/>
+          </a:bodyPr>
+          <a:lstStyle/>
+          <a:p>
+            <a:r>
+              <a:rPr lang="en-US" dirty="0"/>
+              <a:t>Successful&lt;</a:t>
+            </a:r>
+            <a:r>
+              <a:rPr lang="en-US" dirty="0" err="1"/>
+              <a:t>br</a:t>
+            </a:r>
+            <a:r>
+              <a:rPr lang="en-US" dirty="0"/>
+              <a:t> /&gt; &lt;b&gt;Fatal error&lt;/b&gt;: Uncaught </a:t>
+            </a:r>
+            <a:r>
+              <a:rPr lang="en-US" dirty="0" err="1"/>
+              <a:t>PDOException</a:t>
+            </a:r>
+            <a:r>
+              <a:rPr lang="en-US" dirty="0"/>
+              <a:t>: </a:t>
+            </a:r>
+            <a:r>
+              <a:rPr lang="en-US" dirty="0">
+                <a:solidFill>
+                  <a:srgbClr val="FF0000"/>
+                </a:solidFill>
+              </a:rPr>
+              <a:t>SQLSTATE[22001]: String data, right truncated: 1406 Data too long for column 'password' at row 1 in</a:t>
+            </a:r>
+            <a:r>
+              <a:rPr lang="en-US" dirty="0"/>
+              <a:t> /Applications/XAMPP/</a:t>
+            </a:r>
+            <a:r>
+              <a:rPr lang="en-US" dirty="0" err="1"/>
+              <a:t>xamppfiles</a:t>
+            </a:r>
+            <a:r>
+              <a:rPr lang="en-US" dirty="0"/>
+              <a:t>/</a:t>
+            </a:r>
+            <a:r>
+              <a:rPr lang="en-US" dirty="0" err="1"/>
+              <a:t>htdocs</a:t>
+            </a:r>
+            <a:r>
+              <a:rPr lang="en-US" dirty="0"/>
+              <a:t>/</a:t>
+            </a:r>
+            <a:r>
+              <a:rPr lang="en-US" dirty="0" err="1"/>
+              <a:t>shopping_ai</a:t>
+            </a:r>
+            <a:r>
+              <a:rPr lang="en-US" dirty="0"/>
+              <a:t>/backend/register.php:43 Stack trace: #0 /Applications/XAMPP/</a:t>
+            </a:r>
+            <a:r>
+              <a:rPr lang="en-US" dirty="0" err="1"/>
+              <a:t>xamppfiles</a:t>
+            </a:r>
+            <a:r>
+              <a:rPr lang="en-US" dirty="0"/>
+              <a:t>/</a:t>
+            </a:r>
+            <a:r>
+              <a:rPr lang="en-US" dirty="0" err="1"/>
+              <a:t>htdocs</a:t>
+            </a:r>
+            <a:r>
+              <a:rPr lang="en-US" dirty="0"/>
+              <a:t>/</a:t>
+            </a:r>
+            <a:r>
+              <a:rPr lang="en-US" dirty="0" err="1"/>
+              <a:t>shopping_ai</a:t>
+            </a:r>
+            <a:r>
+              <a:rPr lang="en-US" dirty="0"/>
+              <a:t>/backend/</a:t>
+            </a:r>
+            <a:r>
+              <a:rPr lang="en-US" dirty="0" err="1"/>
+              <a:t>register.php</a:t>
+            </a:r>
+            <a:r>
+              <a:rPr lang="en-US" dirty="0"/>
+              <a:t>(43): </a:t>
+            </a:r>
+            <a:r>
+              <a:rPr lang="en-US" dirty="0" err="1"/>
+              <a:t>PDOStatement</a:t>
+            </a:r>
+            <a:r>
+              <a:rPr lang="en-US" dirty="0"/>
+              <a:t>-&amp;</a:t>
+            </a:r>
+            <a:r>
+              <a:rPr lang="en-US" dirty="0" err="1"/>
+              <a:t>gt;execute</a:t>
+            </a:r>
+            <a:r>
+              <a:rPr lang="en-US" dirty="0"/>
+              <a:t>() #1 {main} thrown in &lt;b&gt;/Applications/XAMPP/</a:t>
+            </a:r>
+            <a:r>
+              <a:rPr lang="en-US" dirty="0" err="1"/>
+              <a:t>xamppfiles</a:t>
+            </a:r>
+            <a:r>
+              <a:rPr lang="en-US" dirty="0"/>
+              <a:t>/</a:t>
+            </a:r>
+            <a:r>
+              <a:rPr lang="en-US" dirty="0" err="1"/>
+              <a:t>htdocs</a:t>
+            </a:r>
+            <a:r>
+              <a:rPr lang="en-US" dirty="0"/>
+              <a:t>/</a:t>
+            </a:r>
+            <a:r>
+              <a:rPr lang="en-US" dirty="0" err="1"/>
+              <a:t>shopping_ai</a:t>
+            </a:r>
+            <a:r>
+              <a:rPr lang="en-US" dirty="0"/>
+              <a:t>/backend/</a:t>
+            </a:r>
+            <a:r>
+              <a:rPr lang="en-US" dirty="0" err="1"/>
+              <a:t>register.php</a:t>
+            </a:r>
+            <a:r>
+              <a:rPr lang="en-US" dirty="0"/>
+              <a:t>&lt;/b&gt; on line &lt;b&gt;43&lt;/b&gt;&lt;</a:t>
+            </a:r>
+            <a:r>
+              <a:rPr lang="en-US" dirty="0" err="1"/>
+              <a:t>br</a:t>
+            </a:r>
+            <a:r>
+              <a:rPr lang="en-US" dirty="0"/>
+              <a:t> /&gt;</a:t>
+            </a:r>
+          </a:p>
+        </p:txBody>
+      </p:sp>
+      <p:sp>
+        <p:nvSpPr>
+          <p:cNvPr id="12" name="TextBox 11">
+            <a:extLst>
+              <a:ext uri="{FF2B5EF4-FFF2-40B4-BE49-F238E27FC236}">
+                <a16:creationId xmlns:a16="http://schemas.microsoft.com/office/drawing/2014/main" id="{00DB5F01-A5D9-1BC8-6C0F-43FC5A509634}"/>
+              </a:ext>
+            </a:extLst>
+          </p:cNvPr>
+          <p:cNvSpPr txBox="1"/>
+          <p:nvPr/>
+        </p:nvSpPr>
+        <p:spPr>
+          <a:xfrm>
+            <a:off x="7964571" y="4106423"/>
+            <a:ext cx="7992092" cy="923330"/>
+          </a:xfrm>
+          <a:prstGeom prst="rect">
+            <a:avLst/>
+          </a:prstGeom>
+          <a:noFill/>
+        </p:spPr>
+        <p:txBody>
+          <a:bodyPr wrap="square">
+            <a:spAutoFit/>
+          </a:bodyPr>
+          <a:lstStyle/>
+          <a:p>
+            <a:r>
+              <a:rPr lang="ja-JP" altLang="en-US"/>
+              <a:t>使用了 </a:t>
+            </a:r>
+            <a:r>
+              <a:rPr lang="en-US" dirty="0" err="1"/>
+              <a:t>password_hash</a:t>
+            </a:r>
+            <a:r>
+              <a:rPr lang="en-US" dirty="0"/>
+              <a:t>() </a:t>
+            </a:r>
+            <a:r>
+              <a:rPr lang="ja-JP" altLang="en-US"/>
+              <a:t>函数，它会生成一个 </a:t>
+            </a:r>
+            <a:r>
+              <a:rPr lang="ja-JP" altLang="en-US" b="1"/>
+              <a:t>很长的加密字符串（默认 </a:t>
+            </a:r>
+            <a:r>
+              <a:rPr lang="en-US" altLang="ja-JP" b="1" dirty="0"/>
+              <a:t>60 </a:t>
+            </a:r>
+            <a:r>
+              <a:rPr lang="ja-JP" altLang="en-US" b="1"/>
+              <a:t>字符）</a:t>
+            </a:r>
+            <a:r>
+              <a:rPr lang="ja-JP" altLang="en-US"/>
+              <a:t>。</a:t>
+            </a:r>
+          </a:p>
+          <a:p>
+            <a:r>
+              <a:rPr lang="ja-JP" altLang="en-US"/>
+              <a:t>但你数据库中 </a:t>
+            </a:r>
+            <a:r>
+              <a:rPr lang="en-US" dirty="0"/>
+              <a:t>users </a:t>
+            </a:r>
+            <a:r>
+              <a:rPr lang="ja-JP" altLang="en-US"/>
+              <a:t>表里的 </a:t>
+            </a:r>
+            <a:r>
+              <a:rPr lang="en-US" dirty="0"/>
+              <a:t>password </a:t>
+            </a:r>
+            <a:r>
+              <a:rPr lang="ja-JP" altLang="en-US"/>
+              <a:t>字段，长度不够存储它！</a:t>
+            </a:r>
+          </a:p>
+        </p:txBody>
+      </p:sp>
+      <p:sp>
+        <p:nvSpPr>
+          <p:cNvPr id="14" name="TextBox 13">
+            <a:extLst>
+              <a:ext uri="{FF2B5EF4-FFF2-40B4-BE49-F238E27FC236}">
+                <a16:creationId xmlns:a16="http://schemas.microsoft.com/office/drawing/2014/main" id="{DEE679FC-C0B4-711B-69DD-81A74DA6B732}"/>
+              </a:ext>
+            </a:extLst>
+          </p:cNvPr>
+          <p:cNvSpPr txBox="1"/>
+          <p:nvPr/>
+        </p:nvSpPr>
+        <p:spPr>
+          <a:xfrm>
+            <a:off x="8061923" y="5192941"/>
+            <a:ext cx="7992092" cy="369332"/>
+          </a:xfrm>
+          <a:prstGeom prst="rect">
+            <a:avLst/>
+          </a:prstGeom>
+          <a:noFill/>
+        </p:spPr>
+        <p:txBody>
+          <a:bodyPr wrap="square">
+            <a:spAutoFit/>
+          </a:bodyPr>
+          <a:lstStyle/>
+          <a:p>
+            <a:r>
+              <a:rPr lang="en-US" dirty="0"/>
+              <a:t>ALTER TABLE users MODIFY password VARCHAR(255);</a:t>
+            </a:r>
+          </a:p>
+        </p:txBody>
+      </p:sp>
+    </p:spTree>
+    <p:extLst>
+      <p:ext uri="{BB962C8B-B14F-4D97-AF65-F5344CB8AC3E}">
+        <p14:creationId xmlns:p14="http://schemas.microsoft.com/office/powerpoint/2010/main" val="2902819035"/>
+      </p:ext>
+    </p:extLst>
+  </p:cSld>
+  <p:clrMapOvr>
+    <a:masterClrMapping/>
+  </p:clrMapOvr>
+</p:sld>
+</file>
+
+<file path=ppt/slides/slide4.xml><?xml version="1.0" encoding="utf-8"?>
+<p:sld xmlns:a="http://schemas.openxmlformats.org/drawingml/2006/main" xmlns:r="http://schemas.openxmlformats.org/officeDocument/2006/relationships" xmlns:p="http://schemas.openxmlformats.org/presentationml/2006/main">
+  <p:cSld>
+    <p:spTree>
+      <p:nvGrpSpPr>
+        <p:cNvPr id="1" name=""/>
+        <p:cNvGrpSpPr/>
+        <p:nvPr/>
+      </p:nvGrpSpPr>
+      <p:grpSpPr>
+        <a:xfrm>
+          <a:off x="0" y="0"/>
+          <a:ext cx="0" cy="0"/>
+          <a:chOff x="0" y="0"/>
+          <a:chExt cx="0" cy="0"/>
+        </a:xfrm>
+      </p:grpSpPr>
+      <p:pic>
+        <p:nvPicPr>
+          <p:cNvPr id="4" name="Picture 3">
+            <a:extLst>
+              <a:ext uri="{FF2B5EF4-FFF2-40B4-BE49-F238E27FC236}">
+                <a16:creationId xmlns:a16="http://schemas.microsoft.com/office/drawing/2014/main" id="{DDD4BFA0-3C76-11DF-054F-45E258283343}"/>
+              </a:ext>
+            </a:extLst>
+          </p:cNvPr>
+          <p:cNvPicPr>
+            <a:picLocks noChangeAspect="1"/>
+          </p:cNvPicPr>
+          <p:nvPr/>
+        </p:nvPicPr>
+        <p:blipFill>
+          <a:blip r:embed="rId2"/>
+          <a:stretch>
+            <a:fillRect/>
+          </a:stretch>
+        </p:blipFill>
+        <p:spPr>
+          <a:xfrm>
+            <a:off x="2055421" y="1255533"/>
+            <a:ext cx="7772400" cy="2636887"/>
+          </a:xfrm>
+          <a:prstGeom prst="rect">
+            <a:avLst/>
+          </a:prstGeom>
+        </p:spPr>
+      </p:pic>
+    </p:spTree>
+    <p:extLst>
+      <p:ext uri="{BB962C8B-B14F-4D97-AF65-F5344CB8AC3E}">
+        <p14:creationId xmlns:p14="http://schemas.microsoft.com/office/powerpoint/2010/main" val="1693703949"/>
+      </p:ext>
+    </p:extLst>
+  </p:cSld>
+  <p:clrMapOvr>
+    <a:masterClrMapping/>
+  </p:clrMapOvr>
+</p:sld>
+</file>
+
+<file path=ppt/slides/slide5.xml><?xml version="1.0" encoding="utf-8"?>
+<p:sld xmlns:a="http://schemas.openxmlformats.org/drawingml/2006/main" xmlns:r="http://schemas.openxmlformats.org/officeDocument/2006/relationships" xmlns:p="http://schemas.openxmlformats.org/presentationml/2006/main">
+  <p:cSld>
+    <p:spTree>
+      <p:nvGrpSpPr>
+        <p:cNvPr id="1" name=""/>
+        <p:cNvGrpSpPr/>
+        <p:nvPr/>
+      </p:nvGrpSpPr>
+      <p:grpSpPr>
+        <a:xfrm>
+          <a:off x="0" y="0"/>
+          <a:ext cx="0" cy="0"/>
+          <a:chOff x="0" y="0"/>
+          <a:chExt cx="0" cy="0"/>
+        </a:xfrm>
+      </p:grpSpPr>
+      <p:pic>
+        <p:nvPicPr>
+          <p:cNvPr id="1026" name="Picture 2" descr="Uploaded image">
+            <a:extLst>
+              <a:ext uri="{FF2B5EF4-FFF2-40B4-BE49-F238E27FC236}">
+                <a16:creationId xmlns:a16="http://schemas.microsoft.com/office/drawing/2014/main" id="{5870008C-EC3E-FB7B-9CE6-02D731CD057E}"/>
+              </a:ext>
+            </a:extLst>
+          </p:cNvPr>
+          <p:cNvPicPr>
+            <a:picLocks noChangeAspect="1" noChangeArrowheads="1"/>
+          </p:cNvPicPr>
+          <p:nvPr/>
+        </p:nvPicPr>
+        <p:blipFill>
+          <a:blip r:embed="rId2">
+            <a:extLst>
+              <a:ext uri="{28A0092B-C50C-407E-A947-70E740481C1C}">
+                <a14:useLocalDpi xmlns:a14="http://schemas.microsoft.com/office/drawing/2010/main" val="0"/>
+              </a:ext>
+            </a:extLst>
+          </a:blip>
+          <a:srcRect/>
+          <a:stretch>
+            <a:fillRect/>
+          </a:stretch>
+        </p:blipFill>
+        <p:spPr bwMode="auto">
+          <a:xfrm>
+            <a:off x="0" y="0"/>
+            <a:ext cx="12192000" cy="4699000"/>
+          </a:xfrm>
+          <a:prstGeom prst="rect">
+            <a:avLst/>
+          </a:prstGeom>
+          <a:noFill/>
+          <a:extLst>
+            <a:ext uri="{909E8E84-426E-40DD-AFC4-6F175D3DCCD1}">
+              <a14:hiddenFill xmlns:a14="http://schemas.microsoft.com/office/drawing/2010/main">
+                <a:solidFill>
+                  <a:srgbClr val="FFFFFF"/>
+                </a:solidFill>
+              </a14:hiddenFill>
+            </a:ext>
+          </a:extLst>
+        </p:spPr>
+      </p:pic>
+      <p:pic>
+        <p:nvPicPr>
+          <p:cNvPr id="4" name="Picture 3">
+            <a:extLst>
+              <a:ext uri="{FF2B5EF4-FFF2-40B4-BE49-F238E27FC236}">
+                <a16:creationId xmlns:a16="http://schemas.microsoft.com/office/drawing/2014/main" id="{3A1F8388-FD21-95CF-3B74-C83398E75DCF}"/>
+              </a:ext>
+            </a:extLst>
+          </p:cNvPr>
+          <p:cNvPicPr>
+            <a:picLocks noChangeAspect="1"/>
+          </p:cNvPicPr>
+          <p:nvPr/>
+        </p:nvPicPr>
+        <p:blipFill>
+          <a:blip r:embed="rId3"/>
+          <a:stretch>
+            <a:fillRect/>
+          </a:stretch>
+        </p:blipFill>
+        <p:spPr>
+          <a:xfrm>
+            <a:off x="2209800" y="1483063"/>
+            <a:ext cx="7772400" cy="3891873"/>
+          </a:xfrm>
+          <a:prstGeom prst="rect">
+            <a:avLst/>
+          </a:prstGeom>
+        </p:spPr>
+      </p:pic>
+      <p:sp>
+        <p:nvSpPr>
+          <p:cNvPr id="5" name="Rectangle 4">
+            <a:extLst>
+              <a:ext uri="{FF2B5EF4-FFF2-40B4-BE49-F238E27FC236}">
+                <a16:creationId xmlns:a16="http://schemas.microsoft.com/office/drawing/2014/main" id="{939F6F17-6079-7027-8C92-E2B8CAF6F8BC}"/>
+              </a:ext>
+            </a:extLst>
+          </p:cNvPr>
+          <p:cNvSpPr/>
+          <p:nvPr/>
+        </p:nvSpPr>
+        <p:spPr>
+          <a:xfrm>
+            <a:off x="2909640" y="3586162"/>
+            <a:ext cx="2826327" cy="342901"/>
+          </a:xfrm>
+          <a:prstGeom prst="rect">
+            <a:avLst/>
+          </a:prstGeom>
+          <a:noFill/>
+          <a:ln>
+            <a:solidFill>
+              <a:srgbClr val="FF0000"/>
+            </a:solidFill>
+          </a:ln>
+        </p:spPr>
+        <p:style>
+          <a:lnRef idx="2">
+            <a:schemeClr val="accent1">
+              <a:shade val="15000"/>
+            </a:schemeClr>
+          </a:lnRef>
+          <a:fillRef idx="1">
+            <a:schemeClr val="accent1"/>
+          </a:fillRef>
+          <a:effectRef idx="0">
+            <a:schemeClr val="accent1"/>
+          </a:effectRef>
+          <a:fontRef idx="minor">
+            <a:schemeClr val="lt1"/>
+          </a:fontRef>
+        </p:style>
+        <p:txBody>
+          <a:bodyPr rtlCol="0" anchor="ctr"/>
+          <a:lstStyle/>
+          <a:p>
+            <a:pPr algn="ctr"/>
+            <a:endParaRPr lang="en-US"/>
+          </a:p>
+        </p:txBody>
+      </p:sp>
+    </p:spTree>
+    <p:extLst>
+      <p:ext uri="{BB962C8B-B14F-4D97-AF65-F5344CB8AC3E}">
+        <p14:creationId xmlns:p14="http://schemas.microsoft.com/office/powerpoint/2010/main" val="2106854676"/>
+      </p:ext>
+    </p:extLst>
+  </p:cSld>
+  <p:clrMapOvr>
+    <a:masterClrMapping/>
+  </p:clrMapOvr>
+</p:sld>
+</file>
+
 <file path=ppt/theme/theme1.xml><?xml version="1.0" encoding="utf-8"?>
 <a:theme xmlns:a="http://schemas.openxmlformats.org/drawingml/2006/main" name="Office Theme">
   <a:themeElements>

--- a/Web/Final_Project/Final Project.pptx
+++ b/Web/Final_Project/Final Project.pptx
@@ -10,6 +10,7 @@
     <p:sldId id="258" r:id="rId4"/>
     <p:sldId id="259" r:id="rId5"/>
     <p:sldId id="260" r:id="rId6"/>
+    <p:sldId id="261" r:id="rId7"/>
   </p:sldIdLst>
   <p:sldSz cx="12192000" cy="6858000"/>
   <p:notesSz cx="6858000" cy="9144000"/>
@@ -108,6 +109,11 @@
       </a:defRPr>
     </a:lvl9pPr>
   </p:defaultTextStyle>
+  <p:extLst>
+    <p:ext uri="{EFAFB233-063F-42B5-8137-9DF3F51BA10A}">
+      <p15:sldGuideLst xmlns:p15="http://schemas.microsoft.com/office/powerpoint/2012/main"/>
+    </p:ext>
+  </p:extLst>
 </p:presentation>
 </file>
 
@@ -258,7 +264,7 @@
           <a:p>
             <a:fld id="{32D5BA9D-7E12-E946-87C1-C0790D2BEA53}" type="datetimeFigureOut">
               <a:rPr lang="en-US" smtClean="0"/>
-              <a:t>4/10/25</a:t>
+              <a:t>4/14/25</a:t>
             </a:fld>
             <a:endParaRPr lang="en-US"/>
           </a:p>
@@ -456,7 +462,7 @@
           <a:p>
             <a:fld id="{32D5BA9D-7E12-E946-87C1-C0790D2BEA53}" type="datetimeFigureOut">
               <a:rPr lang="en-US" smtClean="0"/>
-              <a:t>4/10/25</a:t>
+              <a:t>4/14/25</a:t>
             </a:fld>
             <a:endParaRPr lang="en-US"/>
           </a:p>
@@ -664,7 +670,7 @@
           <a:p>
             <a:fld id="{32D5BA9D-7E12-E946-87C1-C0790D2BEA53}" type="datetimeFigureOut">
               <a:rPr lang="en-US" smtClean="0"/>
-              <a:t>4/10/25</a:t>
+              <a:t>4/14/25</a:t>
             </a:fld>
             <a:endParaRPr lang="en-US"/>
           </a:p>
@@ -862,7 +868,7 @@
           <a:p>
             <a:fld id="{32D5BA9D-7E12-E946-87C1-C0790D2BEA53}" type="datetimeFigureOut">
               <a:rPr lang="en-US" smtClean="0"/>
-              <a:t>4/10/25</a:t>
+              <a:t>4/14/25</a:t>
             </a:fld>
             <a:endParaRPr lang="en-US"/>
           </a:p>
@@ -1137,7 +1143,7 @@
           <a:p>
             <a:fld id="{32D5BA9D-7E12-E946-87C1-C0790D2BEA53}" type="datetimeFigureOut">
               <a:rPr lang="en-US" smtClean="0"/>
-              <a:t>4/10/25</a:t>
+              <a:t>4/14/25</a:t>
             </a:fld>
             <a:endParaRPr lang="en-US"/>
           </a:p>
@@ -1402,7 +1408,7 @@
           <a:p>
             <a:fld id="{32D5BA9D-7E12-E946-87C1-C0790D2BEA53}" type="datetimeFigureOut">
               <a:rPr lang="en-US" smtClean="0"/>
-              <a:t>4/10/25</a:t>
+              <a:t>4/14/25</a:t>
             </a:fld>
             <a:endParaRPr lang="en-US"/>
           </a:p>
@@ -1814,7 +1820,7 @@
           <a:p>
             <a:fld id="{32D5BA9D-7E12-E946-87C1-C0790D2BEA53}" type="datetimeFigureOut">
               <a:rPr lang="en-US" smtClean="0"/>
-              <a:t>4/10/25</a:t>
+              <a:t>4/14/25</a:t>
             </a:fld>
             <a:endParaRPr lang="en-US"/>
           </a:p>
@@ -1955,7 +1961,7 @@
           <a:p>
             <a:fld id="{32D5BA9D-7E12-E946-87C1-C0790D2BEA53}" type="datetimeFigureOut">
               <a:rPr lang="en-US" smtClean="0"/>
-              <a:t>4/10/25</a:t>
+              <a:t>4/14/25</a:t>
             </a:fld>
             <a:endParaRPr lang="en-US"/>
           </a:p>
@@ -2068,7 +2074,7 @@
           <a:p>
             <a:fld id="{32D5BA9D-7E12-E946-87C1-C0790D2BEA53}" type="datetimeFigureOut">
               <a:rPr lang="en-US" smtClean="0"/>
-              <a:t>4/10/25</a:t>
+              <a:t>4/14/25</a:t>
             </a:fld>
             <a:endParaRPr lang="en-US"/>
           </a:p>
@@ -2379,7 +2385,7 @@
           <a:p>
             <a:fld id="{32D5BA9D-7E12-E946-87C1-C0790D2BEA53}" type="datetimeFigureOut">
               <a:rPr lang="en-US" smtClean="0"/>
-              <a:t>4/10/25</a:t>
+              <a:t>4/14/25</a:t>
             </a:fld>
             <a:endParaRPr lang="en-US"/>
           </a:p>
@@ -2667,7 +2673,7 @@
           <a:p>
             <a:fld id="{32D5BA9D-7E12-E946-87C1-C0790D2BEA53}" type="datetimeFigureOut">
               <a:rPr lang="en-US" smtClean="0"/>
-              <a:t>4/10/25</a:t>
+              <a:t>4/14/25</a:t>
             </a:fld>
             <a:endParaRPr lang="en-US"/>
           </a:p>
@@ -2908,7 +2914,7 @@
           <a:p>
             <a:fld id="{32D5BA9D-7E12-E946-87C1-C0790D2BEA53}" type="datetimeFigureOut">
               <a:rPr lang="en-US" smtClean="0"/>
-              <a:t>4/10/25</a:t>
+              <a:t>4/14/25</a:t>
             </a:fld>
             <a:endParaRPr lang="en-US"/>
           </a:p>
@@ -4494,6 +4500,380 @@
 </p:sld>
 </file>
 
+<file path=ppt/slides/slide6.xml><?xml version="1.0" encoding="utf-8"?>
+<p:sld xmlns:a="http://schemas.openxmlformats.org/drawingml/2006/main" xmlns:r="http://schemas.openxmlformats.org/officeDocument/2006/relationships" xmlns:p="http://schemas.openxmlformats.org/presentationml/2006/main">
+  <p:cSld>
+    <p:spTree>
+      <p:nvGrpSpPr>
+        <p:cNvPr id="1" name=""/>
+        <p:cNvGrpSpPr/>
+        <p:nvPr/>
+      </p:nvGrpSpPr>
+      <p:grpSpPr>
+        <a:xfrm>
+          <a:off x="0" y="0"/>
+          <a:ext cx="0" cy="0"/>
+          <a:chOff x="0" y="0"/>
+          <a:chExt cx="0" cy="0"/>
+        </a:xfrm>
+      </p:grpSpPr>
+      <p:sp>
+        <p:nvSpPr>
+          <p:cNvPr id="5" name="TextBox 4">
+            <a:extLst>
+              <a:ext uri="{FF2B5EF4-FFF2-40B4-BE49-F238E27FC236}">
+                <a16:creationId xmlns:a16="http://schemas.microsoft.com/office/drawing/2014/main" id="{541774B5-E9AB-EBF7-1A8C-385842BA1862}"/>
+              </a:ext>
+            </a:extLst>
+          </p:cNvPr>
+          <p:cNvSpPr txBox="1"/>
+          <p:nvPr/>
+        </p:nvSpPr>
+        <p:spPr>
+          <a:xfrm>
+            <a:off x="543296" y="420975"/>
+            <a:ext cx="6097978" cy="369332"/>
+          </a:xfrm>
+          <a:prstGeom prst="rect">
+            <a:avLst/>
+          </a:prstGeom>
+          <a:noFill/>
+        </p:spPr>
+        <p:txBody>
+          <a:bodyPr wrap="square">
+            <a:spAutoFit/>
+          </a:bodyPr>
+          <a:lstStyle/>
+          <a:p>
+            <a:r>
+              <a:rPr lang="en-US" dirty="0" err="1"/>
+              <a:t>npm</a:t>
+            </a:r>
+            <a:r>
+              <a:rPr lang="en-US" dirty="0"/>
+              <a:t> </a:t>
+            </a:r>
+            <a:r>
+              <a:rPr lang="en-US" dirty="0" err="1"/>
+              <a:t>i</a:t>
+            </a:r>
+            <a:r>
+              <a:rPr lang="en-US" dirty="0"/>
+              <a:t> react-loading-skeleton</a:t>
+            </a:r>
+          </a:p>
+        </p:txBody>
+      </p:sp>
+      <p:pic>
+        <p:nvPicPr>
+          <p:cNvPr id="6" name="Picture 5">
+            <a:extLst>
+              <a:ext uri="{FF2B5EF4-FFF2-40B4-BE49-F238E27FC236}">
+                <a16:creationId xmlns:a16="http://schemas.microsoft.com/office/drawing/2014/main" id="{F5103667-E521-1447-FE37-5F0BC373822E}"/>
+              </a:ext>
+            </a:extLst>
+          </p:cNvPr>
+          <p:cNvPicPr>
+            <a:picLocks noChangeAspect="1"/>
+          </p:cNvPicPr>
+          <p:nvPr/>
+        </p:nvPicPr>
+        <p:blipFill>
+          <a:blip r:embed="rId2"/>
+          <a:stretch>
+            <a:fillRect/>
+          </a:stretch>
+        </p:blipFill>
+        <p:spPr>
+          <a:xfrm>
+            <a:off x="2209800" y="644287"/>
+            <a:ext cx="7772400" cy="5569425"/>
+          </a:xfrm>
+          <a:prstGeom prst="rect">
+            <a:avLst/>
+          </a:prstGeom>
+        </p:spPr>
+      </p:pic>
+      <p:pic>
+        <p:nvPicPr>
+          <p:cNvPr id="7" name="Picture 6">
+            <a:extLst>
+              <a:ext uri="{FF2B5EF4-FFF2-40B4-BE49-F238E27FC236}">
+                <a16:creationId xmlns:a16="http://schemas.microsoft.com/office/drawing/2014/main" id="{88FF7FB2-AE6C-B2AC-AB9D-10B70D118085}"/>
+              </a:ext>
+            </a:extLst>
+          </p:cNvPr>
+          <p:cNvPicPr>
+            <a:picLocks noChangeAspect="1"/>
+          </p:cNvPicPr>
+          <p:nvPr/>
+        </p:nvPicPr>
+        <p:blipFill>
+          <a:blip r:embed="rId3"/>
+          <a:stretch>
+            <a:fillRect/>
+          </a:stretch>
+        </p:blipFill>
+        <p:spPr>
+          <a:xfrm>
+            <a:off x="2209800" y="660618"/>
+            <a:ext cx="7772400" cy="5536764"/>
+          </a:xfrm>
+          <a:prstGeom prst="rect">
+            <a:avLst/>
+          </a:prstGeom>
+        </p:spPr>
+      </p:pic>
+      <p:pic>
+        <p:nvPicPr>
+          <p:cNvPr id="8" name="Picture 7">
+            <a:extLst>
+              <a:ext uri="{FF2B5EF4-FFF2-40B4-BE49-F238E27FC236}">
+                <a16:creationId xmlns:a16="http://schemas.microsoft.com/office/drawing/2014/main" id="{A2AAA9C7-78CB-2ED3-34A8-BD7BA115D731}"/>
+              </a:ext>
+            </a:extLst>
+          </p:cNvPr>
+          <p:cNvPicPr>
+            <a:picLocks noChangeAspect="1"/>
+          </p:cNvPicPr>
+          <p:nvPr/>
+        </p:nvPicPr>
+        <p:blipFill>
+          <a:blip r:embed="rId4"/>
+          <a:stretch>
+            <a:fillRect/>
+          </a:stretch>
+        </p:blipFill>
+        <p:spPr>
+          <a:xfrm>
+            <a:off x="2209800" y="970989"/>
+            <a:ext cx="7772400" cy="4916022"/>
+          </a:xfrm>
+          <a:prstGeom prst="rect">
+            <a:avLst/>
+          </a:prstGeom>
+        </p:spPr>
+      </p:pic>
+      <p:sp>
+        <p:nvSpPr>
+          <p:cNvPr id="10" name="TextBox 9">
+            <a:extLst>
+              <a:ext uri="{FF2B5EF4-FFF2-40B4-BE49-F238E27FC236}">
+                <a16:creationId xmlns:a16="http://schemas.microsoft.com/office/drawing/2014/main" id="{3CF673CB-A7F8-D68A-DFFD-627C204C93B2}"/>
+              </a:ext>
+            </a:extLst>
+          </p:cNvPr>
+          <p:cNvSpPr txBox="1"/>
+          <p:nvPr/>
+        </p:nvSpPr>
+        <p:spPr>
+          <a:xfrm>
+            <a:off x="105301" y="2541963"/>
+            <a:ext cx="6100762" cy="2031325"/>
+          </a:xfrm>
+          <a:prstGeom prst="rect">
+            <a:avLst/>
+          </a:prstGeom>
+          <a:noFill/>
+        </p:spPr>
+        <p:txBody>
+          <a:bodyPr wrap="square">
+            <a:spAutoFit/>
+          </a:bodyPr>
+          <a:lstStyle/>
+          <a:p>
+            <a:r>
+              <a:rPr lang="en-US" b="0" dirty="0">
+                <a:solidFill>
+                  <a:srgbClr val="569CD6"/>
+                </a:solidFill>
+                <a:effectLst/>
+                <a:latin typeface="Menlo" panose="020B0609030804020204" pitchFamily="49" charset="0"/>
+              </a:rPr>
+              <a:t>const</a:t>
+            </a:r>
+            <a:r>
+              <a:rPr lang="en-US" b="0" dirty="0">
+                <a:solidFill>
+                  <a:srgbClr val="CCCCCC"/>
+                </a:solidFill>
+                <a:effectLst/>
+                <a:latin typeface="Menlo" panose="020B0609030804020204" pitchFamily="49" charset="0"/>
+              </a:rPr>
+              <a:t> </a:t>
+            </a:r>
+            <a:r>
+              <a:rPr lang="en-US" b="0" dirty="0">
+                <a:solidFill>
+                  <a:srgbClr val="DCDCAA"/>
+                </a:solidFill>
+                <a:effectLst/>
+                <a:latin typeface="Menlo" panose="020B0609030804020204" pitchFamily="49" charset="0"/>
+              </a:rPr>
+              <a:t>Loading</a:t>
+            </a:r>
+            <a:r>
+              <a:rPr lang="en-US" b="0" dirty="0">
+                <a:solidFill>
+                  <a:srgbClr val="CCCCCC"/>
+                </a:solidFill>
+                <a:effectLst/>
+                <a:latin typeface="Menlo" panose="020B0609030804020204" pitchFamily="49" charset="0"/>
+              </a:rPr>
+              <a:t> </a:t>
+            </a:r>
+            <a:r>
+              <a:rPr lang="en-US" b="0" dirty="0">
+                <a:solidFill>
+                  <a:srgbClr val="D4D4D4"/>
+                </a:solidFill>
+                <a:effectLst/>
+                <a:latin typeface="Menlo" panose="020B0609030804020204" pitchFamily="49" charset="0"/>
+              </a:rPr>
+              <a:t>=</a:t>
+            </a:r>
+            <a:r>
+              <a:rPr lang="en-US" b="0" dirty="0">
+                <a:solidFill>
+                  <a:srgbClr val="CCCCCC"/>
+                </a:solidFill>
+                <a:effectLst/>
+                <a:latin typeface="Menlo" panose="020B0609030804020204" pitchFamily="49" charset="0"/>
+              </a:rPr>
+              <a:t> () </a:t>
+            </a:r>
+            <a:r>
+              <a:rPr lang="en-US" b="0" dirty="0">
+                <a:solidFill>
+                  <a:srgbClr val="569CD6"/>
+                </a:solidFill>
+                <a:effectLst/>
+                <a:latin typeface="Menlo" panose="020B0609030804020204" pitchFamily="49" charset="0"/>
+              </a:rPr>
+              <a:t>=&gt;</a:t>
+            </a:r>
+            <a:r>
+              <a:rPr lang="en-US" b="0" dirty="0">
+                <a:solidFill>
+                  <a:srgbClr val="CCCCCC"/>
+                </a:solidFill>
+                <a:effectLst/>
+                <a:latin typeface="Menlo" panose="020B0609030804020204" pitchFamily="49" charset="0"/>
+              </a:rPr>
+              <a:t> {</a:t>
+            </a:r>
+          </a:p>
+          <a:p>
+            <a:r>
+              <a:rPr lang="en-US" b="0" dirty="0">
+                <a:solidFill>
+                  <a:srgbClr val="C586C0"/>
+                </a:solidFill>
+                <a:effectLst/>
+                <a:latin typeface="Menlo" panose="020B0609030804020204" pitchFamily="49" charset="0"/>
+              </a:rPr>
+              <a:t>return</a:t>
+            </a:r>
+            <a:r>
+              <a:rPr lang="en-US" b="0" dirty="0">
+                <a:solidFill>
+                  <a:srgbClr val="CCCCCC"/>
+                </a:solidFill>
+                <a:effectLst/>
+                <a:latin typeface="Menlo" panose="020B0609030804020204" pitchFamily="49" charset="0"/>
+              </a:rPr>
+              <a:t> (</a:t>
+            </a:r>
+          </a:p>
+          <a:p>
+            <a:r>
+              <a:rPr lang="en-US" b="0" dirty="0">
+                <a:solidFill>
+                  <a:srgbClr val="808080"/>
+                </a:solidFill>
+                <a:effectLst/>
+                <a:latin typeface="Menlo" panose="020B0609030804020204" pitchFamily="49" charset="0"/>
+              </a:rPr>
+              <a:t>&lt;&gt;</a:t>
+            </a:r>
+            <a:endParaRPr lang="en-US" b="0" dirty="0">
+              <a:solidFill>
+                <a:srgbClr val="CCCCCC"/>
+              </a:solidFill>
+              <a:effectLst/>
+              <a:latin typeface="Menlo" panose="020B0609030804020204" pitchFamily="49" charset="0"/>
+            </a:endParaRPr>
+          </a:p>
+          <a:p>
+            <a:r>
+              <a:rPr lang="en-US" b="0" dirty="0">
+                <a:solidFill>
+                  <a:srgbClr val="CCCCCC"/>
+                </a:solidFill>
+                <a:effectLst/>
+                <a:latin typeface="Menlo" panose="020B0609030804020204" pitchFamily="49" charset="0"/>
+              </a:rPr>
+              <a:t>Loading...</a:t>
+            </a:r>
+          </a:p>
+          <a:p>
+            <a:r>
+              <a:rPr lang="en-US" b="0" dirty="0">
+                <a:solidFill>
+                  <a:srgbClr val="808080"/>
+                </a:solidFill>
+                <a:effectLst/>
+                <a:latin typeface="Menlo" panose="020B0609030804020204" pitchFamily="49" charset="0"/>
+              </a:rPr>
+              <a:t>&lt;/&gt;</a:t>
+            </a:r>
+            <a:endParaRPr lang="en-US" b="0" dirty="0">
+              <a:solidFill>
+                <a:srgbClr val="CCCCCC"/>
+              </a:solidFill>
+              <a:effectLst/>
+              <a:latin typeface="Menlo" panose="020B0609030804020204" pitchFamily="49" charset="0"/>
+            </a:endParaRPr>
+          </a:p>
+          <a:p>
+            <a:r>
+              <a:rPr lang="en-US" b="0" dirty="0">
+                <a:solidFill>
+                  <a:srgbClr val="CCCCCC"/>
+                </a:solidFill>
+                <a:effectLst/>
+                <a:latin typeface="Menlo" panose="020B0609030804020204" pitchFamily="49" charset="0"/>
+              </a:rPr>
+              <a:t>)</a:t>
+            </a:r>
+          </a:p>
+          <a:p>
+            <a:r>
+              <a:rPr lang="en-US" b="0" dirty="0">
+                <a:solidFill>
+                  <a:srgbClr val="CCCCCC"/>
+                </a:solidFill>
+                <a:effectLst/>
+                <a:latin typeface="Menlo" panose="020B0609030804020204" pitchFamily="49" charset="0"/>
+              </a:rPr>
+              <a:t>}</a:t>
+            </a:r>
+          </a:p>
+        </p:txBody>
+      </p:sp>
+    </p:spTree>
+    <p:extLst>
+      <p:ext uri="{BB962C8B-B14F-4D97-AF65-F5344CB8AC3E}">
+        <p14:creationId xmlns:p14="http://schemas.microsoft.com/office/powerpoint/2010/main" val="2208063254"/>
+      </p:ext>
+    </p:extLst>
+  </p:cSld>
+  <p:clrMapOvr>
+    <a:masterClrMapping/>
+  </p:clrMapOvr>
+</p:sld>
+</file>
+
 <file path=ppt/theme/theme1.xml><?xml version="1.0" encoding="utf-8"?>
 <a:theme xmlns:a="http://schemas.openxmlformats.org/drawingml/2006/main" name="Office Theme">
   <a:themeElements>

--- a/Web/Final_Project/Final Project.pptx
+++ b/Web/Final_Project/Final Project.pptx
@@ -5,12 +5,14 @@
     <p:sldMasterId id="2147483648" r:id="rId1"/>
   </p:sldMasterIdLst>
   <p:sldIdLst>
-    <p:sldId id="256" r:id="rId2"/>
-    <p:sldId id="257" r:id="rId3"/>
-    <p:sldId id="258" r:id="rId4"/>
-    <p:sldId id="259" r:id="rId5"/>
-    <p:sldId id="260" r:id="rId6"/>
-    <p:sldId id="261" r:id="rId7"/>
+    <p:sldId id="262" r:id="rId2"/>
+    <p:sldId id="263" r:id="rId3"/>
+    <p:sldId id="256" r:id="rId4"/>
+    <p:sldId id="257" r:id="rId5"/>
+    <p:sldId id="258" r:id="rId6"/>
+    <p:sldId id="259" r:id="rId7"/>
+    <p:sldId id="260" r:id="rId8"/>
+    <p:sldId id="261" r:id="rId9"/>
   </p:sldIdLst>
   <p:sldSz cx="12192000" cy="6858000"/>
   <p:notesSz cx="6858000" cy="9144000"/>
@@ -264,7 +266,7 @@
           <a:p>
             <a:fld id="{32D5BA9D-7E12-E946-87C1-C0790D2BEA53}" type="datetimeFigureOut">
               <a:rPr lang="en-US" smtClean="0"/>
-              <a:t>4/14/25</a:t>
+              <a:t>4/24/25</a:t>
             </a:fld>
             <a:endParaRPr lang="en-US"/>
           </a:p>
@@ -462,7 +464,7 @@
           <a:p>
             <a:fld id="{32D5BA9D-7E12-E946-87C1-C0790D2BEA53}" type="datetimeFigureOut">
               <a:rPr lang="en-US" smtClean="0"/>
-              <a:t>4/14/25</a:t>
+              <a:t>4/24/25</a:t>
             </a:fld>
             <a:endParaRPr lang="en-US"/>
           </a:p>
@@ -670,7 +672,7 @@
           <a:p>
             <a:fld id="{32D5BA9D-7E12-E946-87C1-C0790D2BEA53}" type="datetimeFigureOut">
               <a:rPr lang="en-US" smtClean="0"/>
-              <a:t>4/14/25</a:t>
+              <a:t>4/24/25</a:t>
             </a:fld>
             <a:endParaRPr lang="en-US"/>
           </a:p>
@@ -868,7 +870,7 @@
           <a:p>
             <a:fld id="{32D5BA9D-7E12-E946-87C1-C0790D2BEA53}" type="datetimeFigureOut">
               <a:rPr lang="en-US" smtClean="0"/>
-              <a:t>4/14/25</a:t>
+              <a:t>4/24/25</a:t>
             </a:fld>
             <a:endParaRPr lang="en-US"/>
           </a:p>
@@ -1143,7 +1145,7 @@
           <a:p>
             <a:fld id="{32D5BA9D-7E12-E946-87C1-C0790D2BEA53}" type="datetimeFigureOut">
               <a:rPr lang="en-US" smtClean="0"/>
-              <a:t>4/14/25</a:t>
+              <a:t>4/24/25</a:t>
             </a:fld>
             <a:endParaRPr lang="en-US"/>
           </a:p>
@@ -1408,7 +1410,7 @@
           <a:p>
             <a:fld id="{32D5BA9D-7E12-E946-87C1-C0790D2BEA53}" type="datetimeFigureOut">
               <a:rPr lang="en-US" smtClean="0"/>
-              <a:t>4/14/25</a:t>
+              <a:t>4/24/25</a:t>
             </a:fld>
             <a:endParaRPr lang="en-US"/>
           </a:p>
@@ -1820,7 +1822,7 @@
           <a:p>
             <a:fld id="{32D5BA9D-7E12-E946-87C1-C0790D2BEA53}" type="datetimeFigureOut">
               <a:rPr lang="en-US" smtClean="0"/>
-              <a:t>4/14/25</a:t>
+              <a:t>4/24/25</a:t>
             </a:fld>
             <a:endParaRPr lang="en-US"/>
           </a:p>
@@ -1961,7 +1963,7 @@
           <a:p>
             <a:fld id="{32D5BA9D-7E12-E946-87C1-C0790D2BEA53}" type="datetimeFigureOut">
               <a:rPr lang="en-US" smtClean="0"/>
-              <a:t>4/14/25</a:t>
+              <a:t>4/24/25</a:t>
             </a:fld>
             <a:endParaRPr lang="en-US"/>
           </a:p>
@@ -2074,7 +2076,7 @@
           <a:p>
             <a:fld id="{32D5BA9D-7E12-E946-87C1-C0790D2BEA53}" type="datetimeFigureOut">
               <a:rPr lang="en-US" smtClean="0"/>
-              <a:t>4/14/25</a:t>
+              <a:t>4/24/25</a:t>
             </a:fld>
             <a:endParaRPr lang="en-US"/>
           </a:p>
@@ -2385,7 +2387,7 @@
           <a:p>
             <a:fld id="{32D5BA9D-7E12-E946-87C1-C0790D2BEA53}" type="datetimeFigureOut">
               <a:rPr lang="en-US" smtClean="0"/>
-              <a:t>4/14/25</a:t>
+              <a:t>4/24/25</a:t>
             </a:fld>
             <a:endParaRPr lang="en-US"/>
           </a:p>
@@ -2673,7 +2675,7 @@
           <a:p>
             <a:fld id="{32D5BA9D-7E12-E946-87C1-C0790D2BEA53}" type="datetimeFigureOut">
               <a:rPr lang="en-US" smtClean="0"/>
-              <a:t>4/14/25</a:t>
+              <a:t>4/24/25</a:t>
             </a:fld>
             <a:endParaRPr lang="en-US"/>
           </a:p>
@@ -2914,7 +2916,7 @@
           <a:p>
             <a:fld id="{32D5BA9D-7E12-E946-87C1-C0790D2BEA53}" type="datetimeFigureOut">
               <a:rPr lang="en-US" smtClean="0"/>
-              <a:t>4/14/25</a:t>
+              <a:t>4/24/25</a:t>
             </a:fld>
             <a:endParaRPr lang="en-US"/>
           </a:p>
@@ -3333,6 +3335,207 @@
       </p:grpSpPr>
       <p:pic>
         <p:nvPicPr>
+          <p:cNvPr id="1026" name="Picture 2">
+            <a:extLst>
+              <a:ext uri="{FF2B5EF4-FFF2-40B4-BE49-F238E27FC236}">
+                <a16:creationId xmlns:a16="http://schemas.microsoft.com/office/drawing/2014/main" id="{7B23A573-B1DC-EA0D-3B3D-D50BD4D4D85D}"/>
+              </a:ext>
+            </a:extLst>
+          </p:cNvPr>
+          <p:cNvPicPr>
+            <a:picLocks noChangeAspect="1" noChangeArrowheads="1"/>
+          </p:cNvPicPr>
+          <p:nvPr/>
+        </p:nvPicPr>
+        <p:blipFill>
+          <a:blip r:embed="rId2">
+            <a:extLst>
+              <a:ext uri="{28A0092B-C50C-407E-A947-70E740481C1C}">
+                <a14:useLocalDpi xmlns:a14="http://schemas.microsoft.com/office/drawing/2010/main" val="0"/>
+              </a:ext>
+            </a:extLst>
+          </a:blip>
+          <a:srcRect/>
+          <a:stretch>
+            <a:fillRect/>
+          </a:stretch>
+        </p:blipFill>
+        <p:spPr bwMode="auto">
+          <a:xfrm>
+            <a:off x="157230" y="1847149"/>
+            <a:ext cx="5611888" cy="3163702"/>
+          </a:xfrm>
+          <a:prstGeom prst="rect">
+            <a:avLst/>
+          </a:prstGeom>
+          <a:noFill/>
+          <a:extLst>
+            <a:ext uri="{909E8E84-426E-40DD-AFC4-6F175D3DCCD1}">
+              <a14:hiddenFill xmlns:a14="http://schemas.microsoft.com/office/drawing/2010/main">
+                <a:solidFill>
+                  <a:srgbClr val="FFFFFF"/>
+                </a:solidFill>
+              </a14:hiddenFill>
+            </a:ext>
+          </a:extLst>
+        </p:spPr>
+      </p:pic>
+      <p:pic>
+        <p:nvPicPr>
+          <p:cNvPr id="1028" name="Picture 4">
+            <a:extLst>
+              <a:ext uri="{FF2B5EF4-FFF2-40B4-BE49-F238E27FC236}">
+                <a16:creationId xmlns:a16="http://schemas.microsoft.com/office/drawing/2014/main" id="{A6975AA4-E570-6F55-CA27-EFA993D8E04B}"/>
+              </a:ext>
+            </a:extLst>
+          </p:cNvPr>
+          <p:cNvPicPr>
+            <a:picLocks noChangeAspect="1" noChangeArrowheads="1"/>
+          </p:cNvPicPr>
+          <p:nvPr/>
+        </p:nvPicPr>
+        <p:blipFill>
+          <a:blip r:embed="rId3">
+            <a:extLst>
+              <a:ext uri="{28A0092B-C50C-407E-A947-70E740481C1C}">
+                <a14:useLocalDpi xmlns:a14="http://schemas.microsoft.com/office/drawing/2010/main" val="0"/>
+              </a:ext>
+            </a:extLst>
+          </a:blip>
+          <a:srcRect/>
+          <a:stretch>
+            <a:fillRect/>
+          </a:stretch>
+        </p:blipFill>
+        <p:spPr bwMode="auto">
+          <a:xfrm>
+            <a:off x="5932817" y="1847149"/>
+            <a:ext cx="5454658" cy="3163702"/>
+          </a:xfrm>
+          <a:prstGeom prst="rect">
+            <a:avLst/>
+          </a:prstGeom>
+          <a:noFill/>
+          <a:extLst>
+            <a:ext uri="{909E8E84-426E-40DD-AFC4-6F175D3DCCD1}">
+              <a14:hiddenFill xmlns:a14="http://schemas.microsoft.com/office/drawing/2010/main">
+                <a:solidFill>
+                  <a:srgbClr val="FFFFFF"/>
+                </a:solidFill>
+              </a14:hiddenFill>
+            </a:ext>
+          </a:extLst>
+        </p:spPr>
+      </p:pic>
+    </p:spTree>
+    <p:extLst>
+      <p:ext uri="{BB962C8B-B14F-4D97-AF65-F5344CB8AC3E}">
+        <p14:creationId xmlns:p14="http://schemas.microsoft.com/office/powerpoint/2010/main" val="3024055647"/>
+      </p:ext>
+    </p:extLst>
+  </p:cSld>
+  <p:clrMapOvr>
+    <a:masterClrMapping/>
+  </p:clrMapOvr>
+</p:sld>
+</file>
+
+<file path=ppt/slides/slide2.xml><?xml version="1.0" encoding="utf-8"?>
+<p:sld xmlns:a="http://schemas.openxmlformats.org/drawingml/2006/main" xmlns:r="http://schemas.openxmlformats.org/officeDocument/2006/relationships" xmlns:p="http://schemas.openxmlformats.org/presentationml/2006/main">
+  <p:cSld>
+    <p:spTree>
+      <p:nvGrpSpPr>
+        <p:cNvPr id="1" name=""/>
+        <p:cNvGrpSpPr/>
+        <p:nvPr/>
+      </p:nvGrpSpPr>
+      <p:grpSpPr>
+        <a:xfrm>
+          <a:off x="0" y="0"/>
+          <a:ext cx="0" cy="0"/>
+          <a:chOff x="0" y="0"/>
+          <a:chExt cx="0" cy="0"/>
+        </a:xfrm>
+      </p:grpSpPr>
+      <p:pic>
+        <p:nvPicPr>
+          <p:cNvPr id="2050" name="Picture 2">
+            <a:extLst>
+              <a:ext uri="{FF2B5EF4-FFF2-40B4-BE49-F238E27FC236}">
+                <a16:creationId xmlns:a16="http://schemas.microsoft.com/office/drawing/2014/main" id="{5D015380-FE50-D1C8-D5F2-B2B672385676}"/>
+              </a:ext>
+            </a:extLst>
+          </p:cNvPr>
+          <p:cNvPicPr>
+            <a:picLocks noChangeAspect="1" noChangeArrowheads="1"/>
+          </p:cNvPicPr>
+          <p:nvPr/>
+        </p:nvPicPr>
+        <p:blipFill>
+          <a:blip r:embed="rId2">
+            <a:extLst>
+              <a:ext uri="{28A0092B-C50C-407E-A947-70E740481C1C}">
+                <a14:useLocalDpi xmlns:a14="http://schemas.microsoft.com/office/drawing/2010/main" val="0"/>
+              </a:ext>
+            </a:extLst>
+          </a:blip>
+          <a:srcRect/>
+          <a:stretch>
+            <a:fillRect/>
+          </a:stretch>
+        </p:blipFill>
+        <p:spPr bwMode="auto">
+          <a:xfrm>
+            <a:off x="0" y="620713"/>
+            <a:ext cx="12192000" cy="5614987"/>
+          </a:xfrm>
+          <a:prstGeom prst="rect">
+            <a:avLst/>
+          </a:prstGeom>
+          <a:noFill/>
+          <a:extLst>
+            <a:ext uri="{909E8E84-426E-40DD-AFC4-6F175D3DCCD1}">
+              <a14:hiddenFill xmlns:a14="http://schemas.microsoft.com/office/drawing/2010/main">
+                <a:solidFill>
+                  <a:srgbClr val="FFFFFF"/>
+                </a:solidFill>
+              </a14:hiddenFill>
+            </a:ext>
+          </a:extLst>
+        </p:spPr>
+      </p:pic>
+    </p:spTree>
+    <p:extLst>
+      <p:ext uri="{BB962C8B-B14F-4D97-AF65-F5344CB8AC3E}">
+        <p14:creationId xmlns:p14="http://schemas.microsoft.com/office/powerpoint/2010/main" val="2059972301"/>
+      </p:ext>
+    </p:extLst>
+  </p:cSld>
+  <p:clrMapOvr>
+    <a:masterClrMapping/>
+  </p:clrMapOvr>
+</p:sld>
+</file>
+
+<file path=ppt/slides/slide3.xml><?xml version="1.0" encoding="utf-8"?>
+<p:sld xmlns:a="http://schemas.openxmlformats.org/drawingml/2006/main" xmlns:r="http://schemas.openxmlformats.org/officeDocument/2006/relationships" xmlns:p="http://schemas.openxmlformats.org/presentationml/2006/main">
+  <p:cSld>
+    <p:spTree>
+      <p:nvGrpSpPr>
+        <p:cNvPr id="1" name=""/>
+        <p:cNvGrpSpPr/>
+        <p:nvPr/>
+      </p:nvGrpSpPr>
+      <p:grpSpPr>
+        <a:xfrm>
+          <a:off x="0" y="0"/>
+          <a:ext cx="0" cy="0"/>
+          <a:chOff x="0" y="0"/>
+          <a:chExt cx="0" cy="0"/>
+        </a:xfrm>
+      </p:grpSpPr>
+      <p:pic>
+        <p:nvPicPr>
           <p:cNvPr id="4" name="Picture 3">
             <a:extLst>
               <a:ext uri="{FF2B5EF4-FFF2-40B4-BE49-F238E27FC236}">
@@ -3418,7 +3621,7 @@
 </p:sld>
 </file>
 
-<file path=ppt/slides/slide2.xml><?xml version="1.0" encoding="utf-8"?>
+<file path=ppt/slides/slide4.xml><?xml version="1.0" encoding="utf-8"?>
 <p:sld xmlns:a="http://schemas.openxmlformats.org/drawingml/2006/main" xmlns:r="http://schemas.openxmlformats.org/officeDocument/2006/relationships" xmlns:p="http://schemas.openxmlformats.org/presentationml/2006/main">
   <p:cSld>
     <p:spTree>
@@ -3784,7 +3987,7 @@
 </p:sld>
 </file>
 
-<file path=ppt/slides/slide3.xml><?xml version="1.0" encoding="utf-8"?>
+<file path=ppt/slides/slide5.xml><?xml version="1.0" encoding="utf-8"?>
 <p:sld xmlns:a="http://schemas.openxmlformats.org/drawingml/2006/main" xmlns:r="http://schemas.openxmlformats.org/officeDocument/2006/relationships" xmlns:p="http://schemas.openxmlformats.org/presentationml/2006/main">
   <p:cSld>
     <p:spTree>
@@ -4281,7 +4484,7 @@
 </p:sld>
 </file>
 
-<file path=ppt/slides/slide4.xml><?xml version="1.0" encoding="utf-8"?>
+<file path=ppt/slides/slide6.xml><?xml version="1.0" encoding="utf-8"?>
 <p:sld xmlns:a="http://schemas.openxmlformats.org/drawingml/2006/main" xmlns:r="http://schemas.openxmlformats.org/officeDocument/2006/relationships" xmlns:p="http://schemas.openxmlformats.org/presentationml/2006/main">
   <p:cSld>
     <p:spTree>
@@ -4341,7 +4544,7 @@
 </p:sld>
 </file>
 
-<file path=ppt/slides/slide5.xml><?xml version="1.0" encoding="utf-8"?>
+<file path=ppt/slides/slide7.xml><?xml version="1.0" encoding="utf-8"?>
 <p:sld xmlns:a="http://schemas.openxmlformats.org/drawingml/2006/main" xmlns:r="http://schemas.openxmlformats.org/officeDocument/2006/relationships" xmlns:p="http://schemas.openxmlformats.org/presentationml/2006/main">
   <p:cSld>
     <p:spTree>
@@ -4500,7 +4703,7 @@
 </p:sld>
 </file>
 
-<file path=ppt/slides/slide6.xml><?xml version="1.0" encoding="utf-8"?>
+<file path=ppt/slides/slide8.xml><?xml version="1.0" encoding="utf-8"?>
 <p:sld xmlns:a="http://schemas.openxmlformats.org/drawingml/2006/main" xmlns:r="http://schemas.openxmlformats.org/officeDocument/2006/relationships" xmlns:p="http://schemas.openxmlformats.org/presentationml/2006/main">
   <p:cSld>
     <p:spTree>

--- a/Web/Final_Project/Final Project.pptx
+++ b/Web/Final_Project/Final Project.pptx
@@ -266,7 +266,7 @@
           <a:p>
             <a:fld id="{32D5BA9D-7E12-E946-87C1-C0790D2BEA53}" type="datetimeFigureOut">
               <a:rPr lang="en-US" smtClean="0"/>
-              <a:t>4/24/25</a:t>
+              <a:t>4/25/25</a:t>
             </a:fld>
             <a:endParaRPr lang="en-US"/>
           </a:p>
@@ -464,7 +464,7 @@
           <a:p>
             <a:fld id="{32D5BA9D-7E12-E946-87C1-C0790D2BEA53}" type="datetimeFigureOut">
               <a:rPr lang="en-US" smtClean="0"/>
-              <a:t>4/24/25</a:t>
+              <a:t>4/25/25</a:t>
             </a:fld>
             <a:endParaRPr lang="en-US"/>
           </a:p>
@@ -672,7 +672,7 @@
           <a:p>
             <a:fld id="{32D5BA9D-7E12-E946-87C1-C0790D2BEA53}" type="datetimeFigureOut">
               <a:rPr lang="en-US" smtClean="0"/>
-              <a:t>4/24/25</a:t>
+              <a:t>4/25/25</a:t>
             </a:fld>
             <a:endParaRPr lang="en-US"/>
           </a:p>
@@ -870,7 +870,7 @@
           <a:p>
             <a:fld id="{32D5BA9D-7E12-E946-87C1-C0790D2BEA53}" type="datetimeFigureOut">
               <a:rPr lang="en-US" smtClean="0"/>
-              <a:t>4/24/25</a:t>
+              <a:t>4/25/25</a:t>
             </a:fld>
             <a:endParaRPr lang="en-US"/>
           </a:p>
@@ -1145,7 +1145,7 @@
           <a:p>
             <a:fld id="{32D5BA9D-7E12-E946-87C1-C0790D2BEA53}" type="datetimeFigureOut">
               <a:rPr lang="en-US" smtClean="0"/>
-              <a:t>4/24/25</a:t>
+              <a:t>4/25/25</a:t>
             </a:fld>
             <a:endParaRPr lang="en-US"/>
           </a:p>
@@ -1410,7 +1410,7 @@
           <a:p>
             <a:fld id="{32D5BA9D-7E12-E946-87C1-C0790D2BEA53}" type="datetimeFigureOut">
               <a:rPr lang="en-US" smtClean="0"/>
-              <a:t>4/24/25</a:t>
+              <a:t>4/25/25</a:t>
             </a:fld>
             <a:endParaRPr lang="en-US"/>
           </a:p>
@@ -1822,7 +1822,7 @@
           <a:p>
             <a:fld id="{32D5BA9D-7E12-E946-87C1-C0790D2BEA53}" type="datetimeFigureOut">
               <a:rPr lang="en-US" smtClean="0"/>
-              <a:t>4/24/25</a:t>
+              <a:t>4/25/25</a:t>
             </a:fld>
             <a:endParaRPr lang="en-US"/>
           </a:p>
@@ -1963,7 +1963,7 @@
           <a:p>
             <a:fld id="{32D5BA9D-7E12-E946-87C1-C0790D2BEA53}" type="datetimeFigureOut">
               <a:rPr lang="en-US" smtClean="0"/>
-              <a:t>4/24/25</a:t>
+              <a:t>4/25/25</a:t>
             </a:fld>
             <a:endParaRPr lang="en-US"/>
           </a:p>
@@ -2076,7 +2076,7 @@
           <a:p>
             <a:fld id="{32D5BA9D-7E12-E946-87C1-C0790D2BEA53}" type="datetimeFigureOut">
               <a:rPr lang="en-US" smtClean="0"/>
-              <a:t>4/24/25</a:t>
+              <a:t>4/25/25</a:t>
             </a:fld>
             <a:endParaRPr lang="en-US"/>
           </a:p>
@@ -2387,7 +2387,7 @@
           <a:p>
             <a:fld id="{32D5BA9D-7E12-E946-87C1-C0790D2BEA53}" type="datetimeFigureOut">
               <a:rPr lang="en-US" smtClean="0"/>
-              <a:t>4/24/25</a:t>
+              <a:t>4/25/25</a:t>
             </a:fld>
             <a:endParaRPr lang="en-US"/>
           </a:p>
@@ -2675,7 +2675,7 @@
           <a:p>
             <a:fld id="{32D5BA9D-7E12-E946-87C1-C0790D2BEA53}" type="datetimeFigureOut">
               <a:rPr lang="en-US" smtClean="0"/>
-              <a:t>4/24/25</a:t>
+              <a:t>4/25/25</a:t>
             </a:fld>
             <a:endParaRPr lang="en-US"/>
           </a:p>
@@ -2916,7 +2916,7 @@
           <a:p>
             <a:fld id="{32D5BA9D-7E12-E946-87C1-C0790D2BEA53}" type="datetimeFigureOut">
               <a:rPr lang="en-US" smtClean="0"/>
-              <a:t>4/24/25</a:t>
+              <a:t>4/25/25</a:t>
             </a:fld>
             <a:endParaRPr lang="en-US"/>
           </a:p>
@@ -3730,8 +3730,8 @@
         </p:blipFill>
         <p:spPr>
           <a:xfrm>
-            <a:off x="830963" y="1155144"/>
-            <a:ext cx="5473563" cy="1816656"/>
+            <a:off x="123727" y="1155143"/>
+            <a:ext cx="6180799" cy="2051385"/>
           </a:xfrm>
           <a:prstGeom prst="rect">
             <a:avLst/>
@@ -3752,8 +3752,8 @@
         </p:nvSpPr>
         <p:spPr>
           <a:xfrm>
-            <a:off x="6304526" y="3429000"/>
-            <a:ext cx="6100762" cy="2308324"/>
+            <a:off x="6411404" y="3401735"/>
+            <a:ext cx="5642141" cy="2585323"/>
           </a:xfrm>
           <a:prstGeom prst="rect">
             <a:avLst/>
@@ -3966,8 +3966,8 @@
         </p:blipFill>
         <p:spPr>
           <a:xfrm>
-            <a:off x="7543800" y="1422122"/>
-            <a:ext cx="4648200" cy="1282700"/>
+            <a:off x="6712526" y="1120676"/>
+            <a:ext cx="5234141" cy="1444394"/>
           </a:xfrm>
           <a:prstGeom prst="rect">
             <a:avLst/>
@@ -4026,7 +4026,7 @@
         </p:blipFill>
         <p:spPr>
           <a:xfrm>
-            <a:off x="289523" y="5739576"/>
+            <a:off x="289523" y="4397845"/>
             <a:ext cx="7772400" cy="878980"/>
           </a:xfrm>
           <a:prstGeom prst="rect">
@@ -4168,7 +4168,7 @@
         </p:blipFill>
         <p:spPr>
           <a:xfrm>
-            <a:off x="9077325" y="239444"/>
+            <a:off x="4285569" y="0"/>
             <a:ext cx="6667500" cy="1447800"/>
           </a:xfrm>
           <a:prstGeom prst="rect">
@@ -4190,13 +4190,15 @@
         </p:nvSpPr>
         <p:spPr>
           <a:xfrm>
-            <a:off x="8084251" y="1357312"/>
+            <a:off x="4285569" y="1357312"/>
             <a:ext cx="7872412" cy="2585323"/>
           </a:xfrm>
           <a:prstGeom prst="rect">
             <a:avLst/>
           </a:prstGeom>
-          <a:noFill/>
+          <a:solidFill>
+            <a:schemeClr val="bg1"/>
+          </a:solidFill>
         </p:spPr>
         <p:txBody>
           <a:bodyPr wrap="square">
@@ -4353,10 +4355,10 @@
       </p:sp>
       <p:sp>
         <p:nvSpPr>
-          <p:cNvPr id="12" name="TextBox 11">
-            <a:extLst>
-              <a:ext uri="{FF2B5EF4-FFF2-40B4-BE49-F238E27FC236}">
-                <a16:creationId xmlns:a16="http://schemas.microsoft.com/office/drawing/2014/main" id="{00DB5F01-A5D9-1BC8-6C0F-43FC5A509634}"/>
+          <p:cNvPr id="14" name="TextBox 13">
+            <a:extLst>
+              <a:ext uri="{FF2B5EF4-FFF2-40B4-BE49-F238E27FC236}">
+                <a16:creationId xmlns:a16="http://schemas.microsoft.com/office/drawing/2014/main" id="{DEE679FC-C0B4-711B-69DD-81A74DA6B732}"/>
               </a:ext>
             </a:extLst>
           </p:cNvPr>
@@ -4365,92 +4367,7 @@
         </p:nvSpPr>
         <p:spPr>
           <a:xfrm>
-            <a:off x="7964571" y="4106423"/>
-            <a:ext cx="7992092" cy="923330"/>
-          </a:xfrm>
-          <a:prstGeom prst="rect">
-            <a:avLst/>
-          </a:prstGeom>
-          <a:noFill/>
-        </p:spPr>
-        <p:txBody>
-          <a:bodyPr wrap="square">
-            <a:spAutoFit/>
-          </a:bodyPr>
-          <a:lstStyle/>
-          <a:p>
-            <a:r>
-              <a:rPr lang="ja-JP" altLang="en-US"/>
-              <a:t>使用了 </a:t>
-            </a:r>
-            <a:r>
-              <a:rPr lang="en-US" dirty="0" err="1"/>
-              <a:t>password_hash</a:t>
-            </a:r>
-            <a:r>
-              <a:rPr lang="en-US" dirty="0"/>
-              <a:t>() </a:t>
-            </a:r>
-            <a:r>
-              <a:rPr lang="ja-JP" altLang="en-US"/>
-              <a:t>函数，它会生成一个 </a:t>
-            </a:r>
-            <a:r>
-              <a:rPr lang="ja-JP" altLang="en-US" b="1"/>
-              <a:t>很长的加密字符串（默认 </a:t>
-            </a:r>
-            <a:r>
-              <a:rPr lang="en-US" altLang="ja-JP" b="1" dirty="0"/>
-              <a:t>60 </a:t>
-            </a:r>
-            <a:r>
-              <a:rPr lang="ja-JP" altLang="en-US" b="1"/>
-              <a:t>字符）</a:t>
-            </a:r>
-            <a:r>
-              <a:rPr lang="ja-JP" altLang="en-US"/>
-              <a:t>。</a:t>
-            </a:r>
-          </a:p>
-          <a:p>
-            <a:r>
-              <a:rPr lang="ja-JP" altLang="en-US"/>
-              <a:t>但你数据库中 </a:t>
-            </a:r>
-            <a:r>
-              <a:rPr lang="en-US" dirty="0"/>
-              <a:t>users </a:t>
-            </a:r>
-            <a:r>
-              <a:rPr lang="ja-JP" altLang="en-US"/>
-              <a:t>表里的 </a:t>
-            </a:r>
-            <a:r>
-              <a:rPr lang="en-US" dirty="0"/>
-              <a:t>password </a:t>
-            </a:r>
-            <a:r>
-              <a:rPr lang="ja-JP" altLang="en-US"/>
-              <a:t>字段，长度不够存储它！</a:t>
-            </a:r>
-          </a:p>
-        </p:txBody>
-      </p:sp>
-      <p:sp>
-        <p:nvSpPr>
-          <p:cNvPr id="14" name="TextBox 13">
-            <a:extLst>
-              <a:ext uri="{FF2B5EF4-FFF2-40B4-BE49-F238E27FC236}">
-                <a16:creationId xmlns:a16="http://schemas.microsoft.com/office/drawing/2014/main" id="{DEE679FC-C0B4-711B-69DD-81A74DA6B732}"/>
-              </a:ext>
-            </a:extLst>
-          </p:cNvPr>
-          <p:cNvSpPr txBox="1"/>
-          <p:nvPr/>
-        </p:nvSpPr>
-        <p:spPr>
-          <a:xfrm>
-            <a:off x="8061923" y="5192941"/>
+            <a:off x="289523" y="5500688"/>
             <a:ext cx="7992092" cy="369332"/>
           </a:xfrm>
           <a:prstGeom prst="rect">
